--- a/Marketing Plan.pptx
+++ b/Marketing Plan.pptx
@@ -3656,7 +3656,12 @@
             <p:ph type="ctrTitle"/>
           </p:nvPr>
         </p:nvSpPr>
-        <p:spPr/>
+        <p:spPr>
+          <a:xfrm>
+            <a:off x="228600" y="1828800"/>
+            <a:ext cx="6480048" cy="2301240"/>
+          </a:xfrm>
+        </p:spPr>
         <p:txBody>
           <a:bodyPr>
             <a:normAutofit fontScale="90000"/>
@@ -3749,35 +3754,7 @@
           <a:p>
             <a:r>
               <a:rPr lang="en-IN" sz="1800" dirty="0" smtClean="0"/>
-              <a:t>A </a:t>
-            </a:r>
-            <a:r>
-              <a:rPr lang="en-IN" sz="1800" dirty="0" smtClean="0"/>
-              <a:t>marketing plan</a:t>
-            </a:r>
-            <a:r>
-              <a:rPr lang="en-IN" sz="1800" dirty="0" smtClean="0"/>
-              <a:t> is an operational document that outlines an advertising strategy that an organization will implement to generate leads and reach its </a:t>
-            </a:r>
-            <a:r>
-              <a:rPr lang="en-IN" sz="1800" dirty="0" smtClean="0"/>
-              <a:t>target market. </a:t>
-            </a:r>
-            <a:r>
-              <a:rPr lang="en-IN" sz="1800" dirty="0" smtClean="0"/>
-              <a:t>A marketing plan details the outreach and PR </a:t>
-            </a:r>
-            <a:r>
-              <a:rPr lang="en-IN" sz="1800" dirty="0" smtClean="0"/>
-              <a:t>campaigns</a:t>
-            </a:r>
-            <a:r>
-              <a:rPr lang="en-IN" sz="1800" dirty="0" smtClean="0"/>
-              <a:t> to be undertaken over a period, including how the company will measure the effect of these initiatives</a:t>
-            </a:r>
-            <a:r>
-              <a:rPr lang="en-IN" sz="1800" dirty="0" smtClean="0"/>
-              <a:t>.</a:t>
+              <a:t>A marketing plan is an operational document that outlines an advertising strategy that an organization will implement to generate leads and reach its target market. A marketing plan details the outreach and PR campaigns to be undertaken over a period, including how the company will measure the effect of these initiatives.</a:t>
             </a:r>
           </a:p>
           <a:p>
@@ -3868,11 +3845,7 @@
             </a:pPr>
             <a:r>
               <a:rPr lang="en-IN" dirty="0" smtClean="0"/>
-              <a:t>It helps in avoiding future uncertainties</a:t>
-            </a:r>
-            <a:r>
-              <a:rPr lang="en-IN" dirty="0" smtClean="0"/>
-              <a:t>.</a:t>
+              <a:t>It helps in avoiding future uncertainties.</a:t>
             </a:r>
           </a:p>
           <a:p>
@@ -3882,12 +3855,17 @@
             </a:pPr>
             <a:r>
               <a:rPr lang="en-IN" dirty="0" smtClean="0"/>
-              <a:t> It helps in management by objectives</a:t>
+              <a:t> It helps </a:t>
             </a:r>
             <a:r>
               <a:rPr lang="en-IN" dirty="0" smtClean="0"/>
-              <a:t>.</a:t>
-            </a:r>
+              <a:t>the</a:t>
+            </a:r>
+            <a:r>
+              <a:rPr lang="en-IN" dirty="0" smtClean="0"/>
+              <a:t> customers in getting full satisfaction.</a:t>
+            </a:r>
+            <a:endParaRPr lang="en-IN" dirty="0" smtClean="0"/>
           </a:p>
           <a:p>
             <a:pPr>
@@ -3896,7 +3874,11 @@
             </a:pPr>
             <a:r>
               <a:rPr lang="en-IN" dirty="0" smtClean="0"/>
-              <a:t> It helps in achieving objectives</a:t>
+              <a:t> It helps in achieving </a:t>
+            </a:r>
+            <a:r>
+              <a:rPr lang="en-IN" dirty="0" smtClean="0"/>
+              <a:t>objectives.</a:t>
             </a:r>
             <a:endParaRPr lang="en-IN" dirty="0" smtClean="0">
               <a:solidFill>
@@ -4015,12 +3997,13 @@
             </a:pPr>
             <a:r>
               <a:rPr lang="en-US" sz="2000" dirty="0" smtClean="0"/>
-              <a:t>	</a:t>
+              <a:t>	1. </a:t>
             </a:r>
             <a:r>
               <a:rPr lang="en-US" sz="2000" dirty="0" smtClean="0"/>
-              <a:t>1. Primary </a:t>
-            </a:r>
+              <a:t>Primary:- Surveys and focus groups</a:t>
+            </a:r>
+            <a:endParaRPr lang="en-US" sz="2000" dirty="0" smtClean="0"/>
           </a:p>
           <a:p>
             <a:pPr>
@@ -4028,12 +4011,13 @@
             </a:pPr>
             <a:r>
               <a:rPr lang="en-US" sz="2000" dirty="0" smtClean="0"/>
-              <a:t>	</a:t>
+              <a:t>	2. </a:t>
             </a:r>
             <a:r>
               <a:rPr lang="en-US" sz="2000" dirty="0" smtClean="0"/>
-              <a:t>2. Secondary</a:t>
-            </a:r>
+              <a:t>Secondary:- statistics, reports , studies</a:t>
+            </a:r>
+            <a:endParaRPr lang="en-US" sz="2000" dirty="0" smtClean="0"/>
           </a:p>
           <a:p>
             <a:pPr>
@@ -4064,11 +4048,7 @@
             </a:pPr>
             <a:r>
               <a:rPr lang="en-IN" sz="2000" b="1" dirty="0" smtClean="0"/>
-              <a:t>Minimize risk </a:t>
-            </a:r>
-            <a:r>
-              <a:rPr lang="en-IN" sz="2000" b="1" dirty="0" smtClean="0"/>
-              <a:t>portfolio</a:t>
+              <a:t>Minimize risk portfolio</a:t>
             </a:r>
           </a:p>
           <a:p>
@@ -4078,12 +4058,9 @@
             </a:pPr>
             <a:r>
               <a:rPr lang="en-IN" sz="2000" b="1" dirty="0" smtClean="0"/>
-              <a:t>Selling the right </a:t>
-            </a:r>
-            <a:r>
-              <a:rPr lang="en-IN" sz="2000" b="1" dirty="0" smtClean="0"/>
-              <a:t>product</a:t>
-            </a:r>
+              <a:t>Understanding Customers</a:t>
+            </a:r>
+            <a:endParaRPr lang="en-IN" sz="2000" b="1" dirty="0" smtClean="0"/>
           </a:p>
           <a:p>
             <a:pPr>
@@ -4105,10 +4082,10 @@
               <a:buChar char="ü"/>
             </a:pPr>
             <a:r>
-              <a:rPr lang="en-IN" sz="2000" b="1" dirty="0" smtClean="0"/>
-              <a:t>Measures reputation and capability</a:t>
-            </a:r>
-            <a:endParaRPr lang="en-US" sz="2000" dirty="0" smtClean="0"/>
+              <a:rPr lang="en-US" sz="2000" b="1" dirty="0" smtClean="0"/>
+              <a:t>Accuracy in advertising</a:t>
+            </a:r>
+            <a:endParaRPr lang="en-IN" sz="2000" b="1" dirty="0" smtClean="0"/>
           </a:p>
         </p:txBody>
       </p:sp>
@@ -4190,33 +4167,20 @@
           <a:p>
             <a:r>
               <a:rPr lang="en-IN" sz="2000" dirty="0" smtClean="0"/>
-              <a:t>An industry analysis is a business function completed by business owners and other individuals to assess the current business environment</a:t>
-            </a:r>
+              <a:t>An industry analysis is a business function completed by business owners and other individuals to assess the current business environment.</a:t>
+            </a:r>
+          </a:p>
+          <a:p>
             <a:r>
               <a:rPr lang="en-IN" sz="2000" dirty="0" smtClean="0"/>
-              <a:t>.</a:t>
+              <a:t>This analysis helps businesses understand various economic pieces of the marketplace and how these various pieces may be used to gain a competitive advantage.</a:t>
             </a:r>
           </a:p>
           <a:p>
             <a:r>
               <a:rPr lang="en-IN" sz="2000" dirty="0" smtClean="0"/>
-              <a:t>This analysis helps businesses understand various economic pieces of the marketplace and how these various pieces may be used to gain a competitive advantage</a:t>
-            </a:r>
-            <a:r>
-              <a:rPr lang="en-IN" sz="2000" dirty="0" smtClean="0"/>
-              <a:t>.</a:t>
-            </a:r>
-          </a:p>
-          <a:p>
-            <a:r>
-              <a:rPr lang="en-IN" sz="2000" dirty="0" smtClean="0"/>
-              <a:t>Key elements </a:t>
-            </a:r>
-            <a:r>
-              <a:rPr lang="en-IN" sz="2000" dirty="0" smtClean="0"/>
-              <a:t>include the number of competitors, availability of substitute goods, target markets and demographic groups or various other pieces of essential business information. </a:t>
-            </a:r>
-            <a:endParaRPr lang="en-IN" sz="2000" dirty="0" smtClean="0"/>
+              <a:t>Key elements include the number of competitors, availability of substitute goods, target markets and demographic groups or various other pieces of essential business information. </a:t>
+            </a:r>
           </a:p>
           <a:p>
             <a:r>
@@ -4232,6 +4196,13 @@
   <p:clrMapOvr>
     <a:masterClrMapping/>
   </p:clrMapOvr>
+  <p:timing>
+    <p:tnLst>
+      <p:par>
+        <p:cTn id="1" dur="indefinite" restart="never" nodeType="tmRoot"/>
+      </p:par>
+    </p:tnLst>
+  </p:timing>
 </p:sld>
 </file>
 
@@ -4298,11 +4269,7 @@
           <a:p>
             <a:r>
               <a:rPr lang="en-IN" sz="2400" dirty="0" smtClean="0"/>
-              <a:t>A competitive analysis is a critical part of your company marketing plan. With this evaluation, you can establish what makes your product or service unique--and therefore what attributes you play up in order to attract your target market</a:t>
-            </a:r>
-            <a:r>
-              <a:rPr lang="en-IN" sz="2400" dirty="0" smtClean="0"/>
-              <a:t>.</a:t>
+              <a:t>A competitive analysis is a critical part of your company marketing plan. With this evaluation, you can establish what makes your product or service unique--and therefore what attributes you play up in order to attract your target market.</a:t>
             </a:r>
           </a:p>
           <a:p>
@@ -4310,7 +4277,6 @@
               <a:rPr lang="en-IN" sz="2400" dirty="0" smtClean="0"/>
               <a:t>Include such things as target market, price, size, method of distribution, and extent of customer service for a product. </a:t>
             </a:r>
-            <a:endParaRPr lang="en-IN" sz="2400" dirty="0" smtClean="0"/>
           </a:p>
           <a:p>
             <a:r>
@@ -4326,6 +4292,13 @@
   <p:clrMapOvr>
     <a:masterClrMapping/>
   </p:clrMapOvr>
+  <p:timing>
+    <p:tnLst>
+      <p:par>
+        <p:cTn id="1" dur="indefinite" restart="never" nodeType="tmRoot"/>
+      </p:par>
+    </p:tnLst>
+  </p:timing>
 </p:sld>
 </file>
 
